--- a/CEM Powerpoint/Bitcoin presentation.pptx
+++ b/CEM Powerpoint/Bitcoin presentation.pptx
@@ -6,10 +6,11 @@
   </p:sldMasterIdLst>
   <p:sldIdLst>
     <p:sldId id="256" r:id="rId2"/>
-    <p:sldId id="257" r:id="rId3"/>
-    <p:sldId id="258" r:id="rId4"/>
-    <p:sldId id="259" r:id="rId5"/>
-    <p:sldId id="260" r:id="rId6"/>
+    <p:sldId id="261" r:id="rId3"/>
+    <p:sldId id="257" r:id="rId4"/>
+    <p:sldId id="258" r:id="rId5"/>
+    <p:sldId id="259" r:id="rId6"/>
+    <p:sldId id="260" r:id="rId7"/>
   </p:sldIdLst>
   <p:sldSz cx="12192000" cy="6858000"/>
   <p:notesSz cx="6858000" cy="9144000"/>
@@ -108,6 +109,11 @@
       </a:defRPr>
     </a:lvl9pPr>
   </p:defaultTextStyle>
+  <p:extLst>
+    <p:ext uri="{EFAFB233-063F-42B5-8137-9DF3F51BA10A}">
+      <p15:sldGuideLst xmlns:p15="http://schemas.microsoft.com/office/powerpoint/2012/main"/>
+    </p:ext>
+  </p:extLst>
 </p:presentation>
 </file>
 
@@ -349,7 +355,7 @@
           <a:p>
             <a:fld id="{ED291B17-9318-49DB-B28B-6E5994AE9581}" type="datetime1">
               <a:rPr lang="en-US" smtClean="0"/>
-              <a:t>9/27/2019</a:t>
+              <a:t>9/28/2019</a:t>
             </a:fld>
             <a:endParaRPr lang="en-US" dirty="0"/>
           </a:p>
@@ -552,7 +558,7 @@
           <a:p>
             <a:fld id="{2CED4963-E985-44C4-B8C4-FDD613B7C2F8}" type="datetime1">
               <a:rPr lang="en-US" smtClean="0"/>
-              <a:t>9/27/2019</a:t>
+              <a:t>9/28/2019</a:t>
             </a:fld>
             <a:endParaRPr lang="en-US" dirty="0"/>
           </a:p>
@@ -914,7 +920,7 @@
           <a:p>
             <a:fld id="{ED291B17-9318-49DB-B28B-6E5994AE9581}" type="datetime1">
               <a:rPr lang="en-US" smtClean="0"/>
-              <a:t>9/27/2019</a:t>
+              <a:t>9/28/2019</a:t>
             </a:fld>
             <a:endParaRPr lang="en-US" dirty="0"/>
           </a:p>
@@ -1112,7 +1118,7 @@
           <a:p>
             <a:fld id="{78DD82B9-B8EE-4375-B6FF-88FA6ABB15D9}" type="datetime1">
               <a:rPr lang="en-US" smtClean="0"/>
-              <a:t>9/27/2019</a:t>
+              <a:t>9/28/2019</a:t>
             </a:fld>
             <a:endParaRPr lang="en-US" dirty="0"/>
           </a:p>
@@ -1424,7 +1430,7 @@
           <a:p>
             <a:fld id="{B2497495-0637-405E-AE64-5CC7506D51F5}" type="datetime1">
               <a:rPr lang="en-US" smtClean="0"/>
-              <a:t>9/27/2019</a:t>
+              <a:t>9/28/2019</a:t>
             </a:fld>
             <a:endParaRPr lang="en-US" dirty="0"/>
           </a:p>
@@ -1677,7 +1683,7 @@
           <a:p>
             <a:fld id="{7BFFD690-9426-415D-8B65-26881E07B2D4}" type="datetime1">
               <a:rPr lang="en-US" smtClean="0"/>
-              <a:t>9/27/2019</a:t>
+              <a:t>9/28/2019</a:t>
             </a:fld>
             <a:endParaRPr lang="en-US" dirty="0"/>
           </a:p>
@@ -2099,7 +2105,7 @@
           <a:p>
             <a:fld id="{04C4989A-474C-40DE-95B9-011C28B71673}" type="datetime1">
               <a:rPr lang="en-US" smtClean="0"/>
-              <a:t>9/27/2019</a:t>
+              <a:t>9/28/2019</a:t>
             </a:fld>
             <a:endParaRPr lang="en-US" dirty="0"/>
           </a:p>
@@ -2222,7 +2228,7 @@
           <a:p>
             <a:fld id="{5DB4ED54-5B5E-4A04-93D3-5772E3CE3818}" type="datetime1">
               <a:rPr lang="en-US" smtClean="0"/>
-              <a:t>9/27/2019</a:t>
+              <a:t>9/28/2019</a:t>
             </a:fld>
             <a:endParaRPr lang="en-US" dirty="0"/>
           </a:p>
@@ -2317,7 +2323,7 @@
           <a:p>
             <a:fld id="{4EDE50D6-574B-40AF-946F-D52A04ADE379}" type="datetime1">
               <a:rPr lang="en-US" smtClean="0"/>
-              <a:t>9/27/2019</a:t>
+              <a:t>9/28/2019</a:t>
             </a:fld>
             <a:endParaRPr lang="en-US" dirty="0"/>
           </a:p>
@@ -2694,7 +2700,7 @@
           <a:p>
             <a:fld id="{D82884F1-FFEA-405F-9602-3DCA865EDA4E}" type="datetime1">
               <a:rPr lang="en-US" smtClean="0"/>
-              <a:t>9/27/2019</a:t>
+              <a:t>9/28/2019</a:t>
             </a:fld>
             <a:endParaRPr lang="en-US" dirty="0"/>
           </a:p>
@@ -2987,7 +2993,7 @@
           <a:p>
             <a:fld id="{7E18DB4A-8810-4A10-AD5C-D5E2C667F5B3}" type="datetime1">
               <a:rPr lang="en-US" smtClean="0"/>
-              <a:t>9/27/2019</a:t>
+              <a:t>9/28/2019</a:t>
             </a:fld>
             <a:endParaRPr lang="en-US" dirty="0"/>
           </a:p>
@@ -3202,7 +3208,7 @@
           <a:p>
             <a:fld id="{ED291B17-9318-49DB-B28B-6E5994AE9581}" type="datetime1">
               <a:rPr lang="en-US" smtClean="0"/>
-              <a:t>9/27/2019</a:t>
+              <a:t>9/28/2019</a:t>
             </a:fld>
             <a:endParaRPr lang="en-US" dirty="0"/>
           </a:p>
@@ -4149,6 +4155,501 @@
           <a:chExt cx="0" cy="0"/>
         </a:xfrm>
       </p:grpSpPr>
+      <p:sp>
+        <p:nvSpPr>
+          <p:cNvPr id="2" name="Title 1">
+            <a:extLst>
+              <a:ext uri="{FF2B5EF4-FFF2-40B4-BE49-F238E27FC236}">
+                <a16:creationId xmlns:a16="http://schemas.microsoft.com/office/drawing/2014/main" id="{A91D836E-C834-4BC7-863F-BA24541B5960}"/>
+              </a:ext>
+            </a:extLst>
+          </p:cNvPr>
+          <p:cNvSpPr>
+            <a:spLocks noGrp="1"/>
+          </p:cNvSpPr>
+          <p:nvPr>
+            <p:ph type="title"/>
+          </p:nvPr>
+        </p:nvSpPr>
+        <p:spPr>
+          <a:xfrm>
+            <a:off x="581192" y="702156"/>
+            <a:ext cx="11029616" cy="452601"/>
+          </a:xfrm>
+        </p:spPr>
+        <p:txBody>
+          <a:bodyPr>
+            <a:normAutofit fontScale="90000"/>
+          </a:bodyPr>
+          <a:lstStyle/>
+          <a:p>
+            <a:r>
+              <a:rPr lang="en-US" dirty="0"/>
+              <a:t>Outline</a:t>
+            </a:r>
+          </a:p>
+        </p:txBody>
+      </p:sp>
+      <p:sp>
+        <p:nvSpPr>
+          <p:cNvPr id="3" name="Content Placeholder 2">
+            <a:extLst>
+              <a:ext uri="{FF2B5EF4-FFF2-40B4-BE49-F238E27FC236}">
+                <a16:creationId xmlns:a16="http://schemas.microsoft.com/office/drawing/2014/main" id="{3FFDA5ED-16BD-4D32-80E5-6B25BD14D902}"/>
+              </a:ext>
+            </a:extLst>
+          </p:cNvPr>
+          <p:cNvSpPr>
+            <a:spLocks noGrp="1"/>
+          </p:cNvSpPr>
+          <p:nvPr>
+            <p:ph idx="1"/>
+          </p:nvPr>
+        </p:nvSpPr>
+        <p:spPr>
+          <a:xfrm>
+            <a:off x="69670" y="1251222"/>
+            <a:ext cx="5453306" cy="5259306"/>
+          </a:xfrm>
+        </p:spPr>
+        <p:txBody>
+          <a:bodyPr>
+            <a:normAutofit/>
+          </a:bodyPr>
+          <a:lstStyle/>
+          <a:p>
+            <a:r>
+              <a:rPr lang="en-US" dirty="0"/>
+              <a:t>Davis: </a:t>
+            </a:r>
+          </a:p>
+          <a:p>
+            <a:pPr lvl="1"/>
+            <a:r>
+              <a:rPr lang="en-US" dirty="0"/>
+              <a:t>What are we doing: Why study bitcoin?</a:t>
+            </a:r>
+          </a:p>
+          <a:p>
+            <a:pPr lvl="2"/>
+            <a:r>
+              <a:rPr lang="en-US" dirty="0"/>
+              <a:t>Personal story Davis/Alex trade bitcoin</a:t>
+            </a:r>
+          </a:p>
+          <a:p>
+            <a:pPr lvl="2"/>
+            <a:r>
+              <a:rPr lang="en-US" dirty="0"/>
+              <a:t>Bitcoin’s tremendous growth &lt;-&gt; social media / mainstream adoption</a:t>
+            </a:r>
+          </a:p>
+          <a:p>
+            <a:pPr lvl="2"/>
+            <a:r>
+              <a:rPr lang="en-US" dirty="0" err="1"/>
+              <a:t>Bitcion</a:t>
+            </a:r>
+            <a:r>
+              <a:rPr lang="en-US" dirty="0"/>
+              <a:t> is </a:t>
+            </a:r>
+            <a:r>
+              <a:rPr lang="en-US" dirty="0" err="1"/>
+              <a:t>inherntly</a:t>
+            </a:r>
+            <a:r>
+              <a:rPr lang="en-US" dirty="0"/>
+              <a:t> digital, It is almost entirely speculative due to its nonphysical nature (magic internet money)</a:t>
+            </a:r>
+          </a:p>
+          <a:p>
+            <a:pPr lvl="2"/>
+            <a:r>
+              <a:rPr lang="en-US" dirty="0"/>
+              <a:t>Billion dollar pizza?</a:t>
+            </a:r>
+          </a:p>
+          <a:p>
+            <a:pPr lvl="2"/>
+            <a:r>
+              <a:rPr lang="en-US" dirty="0"/>
+              <a:t>Show comparison to other commodities</a:t>
+            </a:r>
+          </a:p>
+          <a:p>
+            <a:r>
+              <a:rPr lang="en-US" dirty="0"/>
+              <a:t>Alex:</a:t>
+            </a:r>
+          </a:p>
+          <a:p>
+            <a:pPr lvl="1"/>
+            <a:r>
+              <a:rPr lang="en-US" dirty="0"/>
+              <a:t>Explain how it works (brief)</a:t>
+            </a:r>
+          </a:p>
+          <a:p>
+            <a:pPr lvl="1"/>
+            <a:r>
+              <a:rPr lang="en-US" dirty="0"/>
+              <a:t>Zoom in on a section, anecdote</a:t>
+            </a:r>
+          </a:p>
+          <a:p>
+            <a:pPr lvl="1"/>
+            <a:r>
+              <a:rPr lang="en-US" dirty="0"/>
+              <a:t>Density trends, article content trends</a:t>
+            </a:r>
+          </a:p>
+        </p:txBody>
+      </p:sp>
+      <p:sp>
+        <p:nvSpPr>
+          <p:cNvPr id="4" name="Content Placeholder 2">
+            <a:extLst>
+              <a:ext uri="{FF2B5EF4-FFF2-40B4-BE49-F238E27FC236}">
+                <a16:creationId xmlns:a16="http://schemas.microsoft.com/office/drawing/2014/main" id="{2377B383-11DA-492C-834A-B3F12E49AED9}"/>
+              </a:ext>
+            </a:extLst>
+          </p:cNvPr>
+          <p:cNvSpPr txBox="1">
+            <a:spLocks/>
+          </p:cNvSpPr>
+          <p:nvPr/>
+        </p:nvSpPr>
+        <p:spPr>
+          <a:xfrm>
+            <a:off x="5890477" y="702156"/>
+            <a:ext cx="6231853" cy="5164383"/>
+          </a:xfrm>
+          <a:prstGeom prst="rect">
+            <a:avLst/>
+          </a:prstGeom>
+        </p:spPr>
+        <p:txBody>
+          <a:bodyPr vert="horz" lIns="91440" tIns="45720" rIns="91440" bIns="45720" rtlCol="0" anchor="ctr">
+            <a:normAutofit/>
+          </a:bodyPr>
+          <a:lstStyle>
+            <a:lvl1pPr marL="306000" indent="-306000" algn="l" defTabSz="457200" rtl="0" eaLnBrk="1" latinLnBrk="0" hangingPunct="1">
+              <a:lnSpc>
+                <a:spcPct val="100000"/>
+              </a:lnSpc>
+              <a:spcBef>
+                <a:spcPct val="20000"/>
+              </a:spcBef>
+              <a:spcAft>
+                <a:spcPts val="600"/>
+              </a:spcAft>
+              <a:buClr>
+                <a:schemeClr val="accent1"/>
+              </a:buClr>
+              <a:buSzPct val="92000"/>
+              <a:buFont typeface="Wingdings 2" panose="05020102010507070707" pitchFamily="18" charset="2"/>
+              <a:buChar char=""/>
+              <a:defRPr sz="1800" kern="1200">
+                <a:solidFill>
+                  <a:schemeClr val="tx1">
+                    <a:lumMod val="75000"/>
+                    <a:lumOff val="25000"/>
+                  </a:schemeClr>
+                </a:solidFill>
+                <a:latin typeface="+mn-lt"/>
+                <a:ea typeface="+mn-ea"/>
+                <a:cs typeface="+mn-cs"/>
+              </a:defRPr>
+            </a:lvl1pPr>
+            <a:lvl2pPr marL="630000" indent="-306000" algn="l" defTabSz="457200" rtl="0" eaLnBrk="1" latinLnBrk="0" hangingPunct="1">
+              <a:spcBef>
+                <a:spcPct val="20000"/>
+              </a:spcBef>
+              <a:spcAft>
+                <a:spcPts val="600"/>
+              </a:spcAft>
+              <a:buClr>
+                <a:schemeClr val="accent1"/>
+              </a:buClr>
+              <a:buSzPct val="92000"/>
+              <a:buFont typeface="Wingdings 2" panose="05020102010507070707" pitchFamily="18" charset="2"/>
+              <a:buChar char=""/>
+              <a:defRPr sz="1600" kern="1200">
+                <a:solidFill>
+                  <a:schemeClr val="tx1">
+                    <a:lumMod val="75000"/>
+                    <a:lumOff val="25000"/>
+                  </a:schemeClr>
+                </a:solidFill>
+                <a:latin typeface="+mn-lt"/>
+                <a:ea typeface="+mn-ea"/>
+                <a:cs typeface="+mn-cs"/>
+              </a:defRPr>
+            </a:lvl2pPr>
+            <a:lvl3pPr marL="900000" indent="-270000" algn="l" defTabSz="457200" rtl="0" eaLnBrk="1" latinLnBrk="0" hangingPunct="1">
+              <a:spcBef>
+                <a:spcPct val="20000"/>
+              </a:spcBef>
+              <a:spcAft>
+                <a:spcPts val="600"/>
+              </a:spcAft>
+              <a:buClr>
+                <a:schemeClr val="accent1"/>
+              </a:buClr>
+              <a:buSzPct val="92000"/>
+              <a:buFont typeface="Wingdings 2" panose="05020102010507070707" pitchFamily="18" charset="2"/>
+              <a:buChar char=""/>
+              <a:defRPr sz="1400" kern="1200">
+                <a:solidFill>
+                  <a:schemeClr val="tx1">
+                    <a:lumMod val="75000"/>
+                    <a:lumOff val="25000"/>
+                  </a:schemeClr>
+                </a:solidFill>
+                <a:latin typeface="+mn-lt"/>
+                <a:ea typeface="+mn-ea"/>
+                <a:cs typeface="+mn-cs"/>
+              </a:defRPr>
+            </a:lvl3pPr>
+            <a:lvl4pPr marL="1242000" indent="-234000" algn="l" defTabSz="457200" rtl="0" eaLnBrk="1" latinLnBrk="0" hangingPunct="1">
+              <a:spcBef>
+                <a:spcPct val="20000"/>
+              </a:spcBef>
+              <a:spcAft>
+                <a:spcPts val="600"/>
+              </a:spcAft>
+              <a:buClr>
+                <a:schemeClr val="accent1"/>
+              </a:buClr>
+              <a:buSzPct val="92000"/>
+              <a:buFont typeface="Wingdings 2" panose="05020102010507070707" pitchFamily="18" charset="2"/>
+              <a:buChar char=""/>
+              <a:defRPr sz="1200" kern="1200">
+                <a:solidFill>
+                  <a:schemeClr val="tx1">
+                    <a:lumMod val="75000"/>
+                    <a:lumOff val="25000"/>
+                  </a:schemeClr>
+                </a:solidFill>
+                <a:latin typeface="+mn-lt"/>
+                <a:ea typeface="+mn-ea"/>
+                <a:cs typeface="+mn-cs"/>
+              </a:defRPr>
+            </a:lvl4pPr>
+            <a:lvl5pPr marL="1602000" indent="-234000" algn="l" defTabSz="457200" rtl="0" eaLnBrk="1" latinLnBrk="0" hangingPunct="1">
+              <a:spcBef>
+                <a:spcPct val="20000"/>
+              </a:spcBef>
+              <a:spcAft>
+                <a:spcPts val="600"/>
+              </a:spcAft>
+              <a:buClr>
+                <a:schemeClr val="accent1"/>
+              </a:buClr>
+              <a:buSzPct val="92000"/>
+              <a:buFont typeface="Wingdings 2" panose="05020102010507070707" pitchFamily="18" charset="2"/>
+              <a:buChar char=""/>
+              <a:defRPr sz="1200" kern="1200">
+                <a:solidFill>
+                  <a:schemeClr val="tx1">
+                    <a:lumMod val="75000"/>
+                    <a:lumOff val="25000"/>
+                  </a:schemeClr>
+                </a:solidFill>
+                <a:latin typeface="+mn-lt"/>
+                <a:ea typeface="+mn-ea"/>
+                <a:cs typeface="+mn-cs"/>
+              </a:defRPr>
+            </a:lvl5pPr>
+            <a:lvl6pPr marL="1900000" indent="-228600" algn="l" defTabSz="457200" rtl="0" eaLnBrk="1" latinLnBrk="0" hangingPunct="1">
+              <a:spcBef>
+                <a:spcPct val="20000"/>
+              </a:spcBef>
+              <a:spcAft>
+                <a:spcPts val="600"/>
+              </a:spcAft>
+              <a:buClr>
+                <a:schemeClr val="accent2"/>
+              </a:buClr>
+              <a:buSzPct val="92000"/>
+              <a:buFont typeface="Wingdings 2" panose="05020102010507070707" pitchFamily="18" charset="2"/>
+              <a:buChar char=""/>
+              <a:defRPr sz="1200" kern="1200">
+                <a:solidFill>
+                  <a:schemeClr val="tx2"/>
+                </a:solidFill>
+                <a:latin typeface="+mn-lt"/>
+                <a:ea typeface="+mn-ea"/>
+                <a:cs typeface="+mn-cs"/>
+              </a:defRPr>
+            </a:lvl6pPr>
+            <a:lvl7pPr marL="2200000" indent="-228600" algn="l" defTabSz="457200" rtl="0" eaLnBrk="1" latinLnBrk="0" hangingPunct="1">
+              <a:spcBef>
+                <a:spcPct val="20000"/>
+              </a:spcBef>
+              <a:spcAft>
+                <a:spcPts val="600"/>
+              </a:spcAft>
+              <a:buClr>
+                <a:schemeClr val="accent2"/>
+              </a:buClr>
+              <a:buSzPct val="92000"/>
+              <a:buFont typeface="Wingdings 2" panose="05020102010507070707" pitchFamily="18" charset="2"/>
+              <a:buChar char=""/>
+              <a:defRPr sz="1200" kern="1200">
+                <a:solidFill>
+                  <a:schemeClr val="tx2"/>
+                </a:solidFill>
+                <a:latin typeface="+mn-lt"/>
+                <a:ea typeface="+mn-ea"/>
+                <a:cs typeface="+mn-cs"/>
+              </a:defRPr>
+            </a:lvl7pPr>
+            <a:lvl8pPr marL="2500000" indent="-228600" algn="l" defTabSz="457200" rtl="0" eaLnBrk="1" latinLnBrk="0" hangingPunct="1">
+              <a:spcBef>
+                <a:spcPct val="20000"/>
+              </a:spcBef>
+              <a:spcAft>
+                <a:spcPts val="600"/>
+              </a:spcAft>
+              <a:buClr>
+                <a:schemeClr val="accent2"/>
+              </a:buClr>
+              <a:buSzPct val="92000"/>
+              <a:buFont typeface="Wingdings 2" panose="05020102010507070707" pitchFamily="18" charset="2"/>
+              <a:buChar char=""/>
+              <a:defRPr sz="1200" kern="1200">
+                <a:solidFill>
+                  <a:schemeClr val="tx2"/>
+                </a:solidFill>
+                <a:latin typeface="+mn-lt"/>
+                <a:ea typeface="+mn-ea"/>
+                <a:cs typeface="+mn-cs"/>
+              </a:defRPr>
+            </a:lvl8pPr>
+            <a:lvl9pPr marL="2800000" indent="-228600" algn="l" defTabSz="457200" rtl="0" eaLnBrk="1" latinLnBrk="0" hangingPunct="1">
+              <a:spcBef>
+                <a:spcPct val="20000"/>
+              </a:spcBef>
+              <a:spcAft>
+                <a:spcPts val="600"/>
+              </a:spcAft>
+              <a:buClr>
+                <a:schemeClr val="accent2"/>
+              </a:buClr>
+              <a:buSzPct val="92000"/>
+              <a:buFont typeface="Wingdings 2" panose="05020102010507070707" pitchFamily="18" charset="2"/>
+              <a:buChar char=""/>
+              <a:defRPr sz="1200" kern="1200">
+                <a:solidFill>
+                  <a:schemeClr val="tx2"/>
+                </a:solidFill>
+                <a:latin typeface="+mn-lt"/>
+                <a:ea typeface="+mn-ea"/>
+                <a:cs typeface="+mn-cs"/>
+              </a:defRPr>
+            </a:lvl9pPr>
+          </a:lstStyle>
+          <a:p>
+            <a:r>
+              <a:rPr lang="en-US" sz="1600" dirty="0"/>
+              <a:t>Jing &amp; Carlos: Tweeter / Sentiment Analysis </a:t>
+            </a:r>
+          </a:p>
+          <a:p>
+            <a:r>
+              <a:rPr lang="en-US" sz="1600" dirty="0"/>
+              <a:t>Can we use tweeter to identify sentiment movements about Bitcoin which could lead us to act (research more, sell or buy)? </a:t>
+            </a:r>
+          </a:p>
+          <a:p>
+            <a:pPr lvl="1"/>
+            <a:r>
+              <a:rPr lang="en-US" sz="1000" dirty="0"/>
+              <a:t>Jing – First we needed to establish what is normal level of sentiment.  Thus, we read tweets for approximately two hours to establish baseline..</a:t>
+            </a:r>
+          </a:p>
+          <a:p>
+            <a:pPr lvl="3"/>
+            <a:r>
+              <a:rPr lang="en-US" sz="1050" dirty="0"/>
+              <a:t>Normal Positive: 30 to 35%;</a:t>
+            </a:r>
+          </a:p>
+          <a:p>
+            <a:pPr lvl="3"/>
+            <a:r>
+              <a:rPr lang="en-US" sz="1050" dirty="0"/>
+              <a:t>Normal Negative: 8 to 12%</a:t>
+            </a:r>
+          </a:p>
+          <a:p>
+            <a:pPr lvl="1"/>
+            <a:r>
+              <a:rPr lang="en-US" sz="1200" dirty="0"/>
+              <a:t>Carlos – BITCOIN is a global topic.  We created a heatmap of collected tweets and all regions in the world are represented.  </a:t>
+            </a:r>
+          </a:p>
+          <a:p>
+            <a:pPr lvl="1"/>
+            <a:r>
+              <a:rPr lang="en-US" sz="1200" dirty="0"/>
+              <a:t>Now we wanted to create a tool to measure sentiment NOW? Thus, as you follow Bitcoin, and you see sentiment moving outside of the normal, it could be a flag for doing more research, buying or selling</a:t>
+            </a:r>
+          </a:p>
+          <a:p>
+            <a:pPr lvl="1"/>
+            <a:r>
+              <a:rPr lang="en-US" sz="1200" dirty="0"/>
+              <a:t>Pie vs. Trend line</a:t>
+            </a:r>
+          </a:p>
+          <a:p>
+            <a:pPr lvl="1"/>
+            <a:r>
+              <a:rPr lang="en-US" sz="1200" dirty="0"/>
+              <a:t>Finally, you could see the actual tweets (positive, negative or neutral)</a:t>
+            </a:r>
+          </a:p>
+          <a:p>
+            <a:r>
+              <a:rPr lang="en-US" sz="1600" dirty="0"/>
+              <a:t>Kent:</a:t>
+            </a:r>
+          </a:p>
+        </p:txBody>
+      </p:sp>
+    </p:spTree>
+    <p:extLst>
+      <p:ext uri="{BB962C8B-B14F-4D97-AF65-F5344CB8AC3E}">
+        <p14:creationId xmlns:p14="http://schemas.microsoft.com/office/powerpoint/2010/main" val="2381674056"/>
+      </p:ext>
+    </p:extLst>
+  </p:cSld>
+  <p:clrMapOvr>
+    <a:masterClrMapping/>
+  </p:clrMapOvr>
+</p:sld>
+</file>
+
+<file path=ppt/slides/slide3.xml><?xml version="1.0" encoding="utf-8"?>
+<p:sld xmlns:a="http://schemas.openxmlformats.org/drawingml/2006/main" xmlns:r="http://schemas.openxmlformats.org/officeDocument/2006/relationships" xmlns:p="http://schemas.openxmlformats.org/presentationml/2006/main">
+  <p:cSld>
+    <p:spTree>
+      <p:nvGrpSpPr>
+        <p:cNvPr id="1" name=""/>
+        <p:cNvGrpSpPr/>
+        <p:nvPr/>
+      </p:nvGrpSpPr>
+      <p:grpSpPr>
+        <a:xfrm>
+          <a:off x="0" y="0"/>
+          <a:ext cx="0" cy="0"/>
+          <a:chOff x="0" y="0"/>
+          <a:chExt cx="0" cy="0"/>
+        </a:xfrm>
+      </p:grpSpPr>
       <p:pic>
         <p:nvPicPr>
           <p:cNvPr id="4" name="Picture 3">
@@ -4170,14 +4671,84 @@
         </p:blipFill>
         <p:spPr>
           <a:xfrm>
-            <a:off x="1593668" y="592428"/>
-            <a:ext cx="8705089" cy="5765708"/>
+            <a:off x="1703396" y="1169501"/>
+            <a:ext cx="8031045" cy="5319263"/>
           </a:xfrm>
           <a:prstGeom prst="rect">
             <a:avLst/>
           </a:prstGeom>
         </p:spPr>
       </p:pic>
+      <p:sp>
+        <p:nvSpPr>
+          <p:cNvPr id="2" name="Rectangle 1">
+            <a:extLst>
+              <a:ext uri="{FF2B5EF4-FFF2-40B4-BE49-F238E27FC236}">
+                <a16:creationId xmlns:a16="http://schemas.microsoft.com/office/drawing/2014/main" id="{14B39CDA-E2F6-42EA-9B11-7796EAAED51D}"/>
+              </a:ext>
+            </a:extLst>
+          </p:cNvPr>
+          <p:cNvSpPr/>
+          <p:nvPr/>
+        </p:nvSpPr>
+        <p:spPr>
+          <a:xfrm>
+            <a:off x="387530" y="689719"/>
+            <a:ext cx="11336819" cy="646331"/>
+          </a:xfrm>
+          <a:prstGeom prst="rect">
+            <a:avLst/>
+          </a:prstGeom>
+        </p:spPr>
+        <p:txBody>
+          <a:bodyPr wrap="square">
+            <a:spAutoFit/>
+          </a:bodyPr>
+          <a:lstStyle/>
+          <a:p>
+            <a:r>
+              <a:rPr lang="en-US" b="1" dirty="0">
+                <a:solidFill>
+                  <a:srgbClr val="C00000"/>
+                </a:solidFill>
+              </a:rPr>
+              <a:t>Can we use tweeter to identify sentiment movements which could lead us to act (research more, sell or buy)?  First -&gt; what is normal? Listen tweets for 2 hours (limited due to </a:t>
+            </a:r>
+            <a:r>
+              <a:rPr lang="en-US" b="1" dirty="0" err="1">
+                <a:solidFill>
+                  <a:srgbClr val="C00000"/>
+                </a:solidFill>
+              </a:rPr>
+              <a:t>twiter</a:t>
+            </a:r>
+            <a:r>
+              <a:rPr lang="en-US" b="1" dirty="0">
+                <a:solidFill>
+                  <a:srgbClr val="C00000"/>
+                </a:solidFill>
+              </a:rPr>
+              <a:t> </a:t>
+            </a:r>
+            <a:r>
+              <a:rPr lang="en-US" b="1" dirty="0" err="1">
+                <a:solidFill>
+                  <a:srgbClr val="C00000"/>
+                </a:solidFill>
+              </a:rPr>
+              <a:t>retriction</a:t>
+            </a:r>
+            <a:r>
+              <a:rPr lang="en-US" b="1" dirty="0">
+                <a:solidFill>
+                  <a:srgbClr val="C00000"/>
+                </a:solidFill>
+              </a:rPr>
+              <a:t>)</a:t>
+            </a:r>
+          </a:p>
+        </p:txBody>
+      </p:sp>
     </p:spTree>
     <p:extLst>
       <p:ext uri="{BB962C8B-B14F-4D97-AF65-F5344CB8AC3E}">
@@ -4191,7 +4762,7 @@
 </p:sld>
 </file>
 
-<file path=ppt/slides/slide3.xml><?xml version="1.0" encoding="utf-8"?>
+<file path=ppt/slides/slide4.xml><?xml version="1.0" encoding="utf-8"?>
 <p:sld xmlns:a="http://schemas.openxmlformats.org/drawingml/2006/main" xmlns:r="http://schemas.openxmlformats.org/officeDocument/2006/relationships" xmlns:p="http://schemas.openxmlformats.org/presentationml/2006/main">
   <p:cSld>
     <p:spTree>
@@ -4250,7 +4821,7 @@
 </p:sld>
 </file>
 
-<file path=ppt/slides/slide4.xml><?xml version="1.0" encoding="utf-8"?>
+<file path=ppt/slides/slide5.xml><?xml version="1.0" encoding="utf-8"?>
 <p:sld xmlns:a="http://schemas.openxmlformats.org/drawingml/2006/main" xmlns:r="http://schemas.openxmlformats.org/officeDocument/2006/relationships" xmlns:p="http://schemas.openxmlformats.org/presentationml/2006/main">
   <p:cSld>
     <p:spTree>
@@ -4309,7 +4880,7 @@
 </p:sld>
 </file>
 
-<file path=ppt/slides/slide5.xml><?xml version="1.0" encoding="utf-8"?>
+<file path=ppt/slides/slide6.xml><?xml version="1.0" encoding="utf-8"?>
 <p:sld xmlns:a="http://schemas.openxmlformats.org/drawingml/2006/main" xmlns:r="http://schemas.openxmlformats.org/officeDocument/2006/relationships" xmlns:p="http://schemas.openxmlformats.org/presentationml/2006/main">
   <p:cSld>
     <p:spTree>

--- a/CEM Powerpoint/Bitcoin presentation.pptx
+++ b/CEM Powerpoint/Bitcoin presentation.pptx
@@ -7,8 +7,8 @@
   <p:sldIdLst>
     <p:sldId id="256" r:id="rId2"/>
     <p:sldId id="261" r:id="rId3"/>
-    <p:sldId id="257" r:id="rId4"/>
-    <p:sldId id="258" r:id="rId5"/>
+    <p:sldId id="258" r:id="rId4"/>
+    <p:sldId id="257" r:id="rId5"/>
     <p:sldId id="259" r:id="rId6"/>
     <p:sldId id="260" r:id="rId7"/>
   </p:sldIdLst>
@@ -4566,6 +4566,13 @@
           <a:p>
             <a:pPr lvl="1"/>
             <a:r>
+              <a:rPr lang="en-US" sz="1400" dirty="0"/>
+              <a:t>Carlos:  We listened twitter for a couple of hours, and we got a good representation of the world.  Bitcoin is a worldwide topic. </a:t>
+            </a:r>
+          </a:p>
+          <a:p>
+            <a:pPr lvl="1"/>
+            <a:r>
               <a:rPr lang="en-US" sz="1000" dirty="0"/>
               <a:t>Jing – First we needed to establish what is normal level of sentiment.  Thus, we read tweets for approximately two hours to establish baseline..</a:t>
             </a:r>
@@ -4588,14 +4595,7 @@
             <a:pPr lvl="1"/>
             <a:r>
               <a:rPr lang="en-US" sz="1200" dirty="0"/>
-              <a:t>Carlos – BITCOIN is a global topic.  We created a heatmap of collected tweets and all regions in the world are represented.  </a:t>
-            </a:r>
-          </a:p>
-          <a:p>
-            <a:pPr lvl="1"/>
-            <a:r>
-              <a:rPr lang="en-US" sz="1200" dirty="0"/>
-              <a:t>Now we wanted to create a tool to measure sentiment NOW? Thus, as you follow Bitcoin, and you see sentiment moving outside of the normal, it could be a flag for doing more research, buying or selling</a:t>
+              <a:t>Carlos: Now we wanted to create a tool to measure sentiment NOW? Thus, as you follow Bitcoin, and you see sentiment moving outside of the normal, it could be a flag for doing more research, buying or selling</a:t>
             </a:r>
           </a:p>
           <a:p>
@@ -4655,7 +4655,7 @@
           <p:cNvPr id="4" name="Picture 3">
             <a:extLst>
               <a:ext uri="{FF2B5EF4-FFF2-40B4-BE49-F238E27FC236}">
-                <a16:creationId xmlns:a16="http://schemas.microsoft.com/office/drawing/2014/main" id="{7A29951E-4D94-447E-9360-D3006B400444}"/>
+                <a16:creationId xmlns:a16="http://schemas.microsoft.com/office/drawing/2014/main" id="{779FF522-9809-49A0-8B3C-3B51BDEE53AA}"/>
               </a:ext>
             </a:extLst>
           </p:cNvPr>
@@ -4666,13 +4666,13 @@
         </p:nvPicPr>
         <p:blipFill rotWithShape="1">
           <a:blip r:embed="rId2"/>
-          <a:srcRect l="22843" t="20876" r="27657" b="20838"/>
+          <a:srcRect l="22672" t="15543" r="26114" b="21752"/>
           <a:stretch/>
         </p:blipFill>
         <p:spPr>
           <a:xfrm>
-            <a:off x="1703396" y="1169501"/>
-            <a:ext cx="8031045" cy="5319263"/>
+            <a:off x="1264485" y="921306"/>
+            <a:ext cx="8804365" cy="6063593"/>
           </a:xfrm>
           <a:prstGeom prst="rect">
             <a:avLst/>
@@ -4681,10 +4681,10 @@
       </p:pic>
       <p:sp>
         <p:nvSpPr>
-          <p:cNvPr id="2" name="Rectangle 1">
+          <p:cNvPr id="3" name="Rectangle 2">
             <a:extLst>
               <a:ext uri="{FF2B5EF4-FFF2-40B4-BE49-F238E27FC236}">
-                <a16:creationId xmlns:a16="http://schemas.microsoft.com/office/drawing/2014/main" id="{14B39CDA-E2F6-42EA-9B11-7796EAAED51D}"/>
+                <a16:creationId xmlns:a16="http://schemas.microsoft.com/office/drawing/2014/main" id="{1A0598CD-12C2-4A07-BC32-8C4C772FBA06}"/>
               </a:ext>
             </a:extLst>
           </p:cNvPr>
@@ -4693,12 +4693,15 @@
         </p:nvSpPr>
         <p:spPr>
           <a:xfrm>
-            <a:off x="387530" y="689719"/>
-            <a:ext cx="11336819" cy="646331"/>
+            <a:off x="427590" y="47029"/>
+            <a:ext cx="11336819" cy="923330"/>
           </a:xfrm>
           <a:prstGeom prst="rect">
             <a:avLst/>
           </a:prstGeom>
+          <a:solidFill>
+            <a:schemeClr val="bg1"/>
+          </a:solidFill>
         </p:spPr>
         <p:txBody>
           <a:bodyPr wrap="square">
@@ -4712,39 +4715,7 @@
                   <a:srgbClr val="C00000"/>
                 </a:solidFill>
               </a:rPr>
-              <a:t>Can we use tweeter to identify sentiment movements which could lead us to act (research more, sell or buy)?  First -&gt; what is normal? Listen tweets for 2 hours (limited due to </a:t>
-            </a:r>
-            <a:r>
-              <a:rPr lang="en-US" b="1" dirty="0" err="1">
-                <a:solidFill>
-                  <a:srgbClr val="C00000"/>
-                </a:solidFill>
-              </a:rPr>
-              <a:t>twiter</a:t>
-            </a:r>
-            <a:r>
-              <a:rPr lang="en-US" b="1" dirty="0">
-                <a:solidFill>
-                  <a:srgbClr val="C00000"/>
-                </a:solidFill>
-              </a:rPr>
-              <a:t> </a:t>
-            </a:r>
-            <a:r>
-              <a:rPr lang="en-US" b="1" dirty="0" err="1">
-                <a:solidFill>
-                  <a:srgbClr val="C00000"/>
-                </a:solidFill>
-              </a:rPr>
-              <a:t>retriction</a:t>
-            </a:r>
-            <a:r>
-              <a:rPr lang="en-US" b="1" dirty="0">
-                <a:solidFill>
-                  <a:srgbClr val="C00000"/>
-                </a:solidFill>
-              </a:rPr>
-              <a:t>)</a:t>
+              <a:t>Can we use tweeter to identify sentiment movements which could lead us to act (research more, sell or buy)?  First -&gt; we listened twitter for a couple of hours, and we got a good representation of global tweets. Jing will explain to you want we found about sentiment.</a:t>
             </a:r>
           </a:p>
         </p:txBody>
@@ -4752,7 +4723,7 @@
     </p:spTree>
     <p:extLst>
       <p:ext uri="{BB962C8B-B14F-4D97-AF65-F5344CB8AC3E}">
-        <p14:creationId xmlns:p14="http://schemas.microsoft.com/office/powerpoint/2010/main" val="3336806855"/>
+        <p14:creationId xmlns:p14="http://schemas.microsoft.com/office/powerpoint/2010/main" val="1264023983"/>
       </p:ext>
     </p:extLst>
   </p:cSld>
@@ -4784,7 +4755,7 @@
           <p:cNvPr id="4" name="Picture 3">
             <a:extLst>
               <a:ext uri="{FF2B5EF4-FFF2-40B4-BE49-F238E27FC236}">
-                <a16:creationId xmlns:a16="http://schemas.microsoft.com/office/drawing/2014/main" id="{779FF522-9809-49A0-8B3C-3B51BDEE53AA}"/>
+                <a16:creationId xmlns:a16="http://schemas.microsoft.com/office/drawing/2014/main" id="{7A29951E-4D94-447E-9360-D3006B400444}"/>
               </a:ext>
             </a:extLst>
           </p:cNvPr>
@@ -4795,13 +4766,13 @@
         </p:nvPicPr>
         <p:blipFill rotWithShape="1">
           <a:blip r:embed="rId2"/>
-          <a:srcRect l="22672" t="15543" r="26114" b="21752"/>
+          <a:srcRect l="22843" t="20876" r="27657" b="20838"/>
           <a:stretch/>
         </p:blipFill>
         <p:spPr>
           <a:xfrm>
-            <a:off x="1264485" y="627017"/>
-            <a:ext cx="9117874" cy="6279508"/>
+            <a:off x="1703396" y="1169501"/>
+            <a:ext cx="8031045" cy="5319263"/>
           </a:xfrm>
           <a:prstGeom prst="rect">
             <a:avLst/>
@@ -4811,7 +4782,7 @@
     </p:spTree>
     <p:extLst>
       <p:ext uri="{BB962C8B-B14F-4D97-AF65-F5344CB8AC3E}">
-        <p14:creationId xmlns:p14="http://schemas.microsoft.com/office/powerpoint/2010/main" val="1264023983"/>
+        <p14:creationId xmlns:p14="http://schemas.microsoft.com/office/powerpoint/2010/main" val="3336806855"/>
       </p:ext>
     </p:extLst>
   </p:cSld>
